--- a/매뉴얼작업.pptx
+++ b/매뉴얼작업.pptx
@@ -270,7 +270,7 @@
           <a:p>
             <a:fld id="{7B480AFD-84A6-499E-8267-445751AA23E6}" type="datetimeFigureOut">
               <a:rPr lang="ko-KR" altLang="en-US" smtClean="0"/>
-              <a:t>2024-04-11</a:t>
+              <a:t>2024-04-14</a:t>
             </a:fld>
             <a:endParaRPr lang="ko-KR" altLang="en-US"/>
           </a:p>
@@ -468,7 +468,7 @@
           <a:p>
             <a:fld id="{7B480AFD-84A6-499E-8267-445751AA23E6}" type="datetimeFigureOut">
               <a:rPr lang="ko-KR" altLang="en-US" smtClean="0"/>
-              <a:t>2024-04-11</a:t>
+              <a:t>2024-04-14</a:t>
             </a:fld>
             <a:endParaRPr lang="ko-KR" altLang="en-US"/>
           </a:p>
@@ -676,7 +676,7 @@
           <a:p>
             <a:fld id="{7B480AFD-84A6-499E-8267-445751AA23E6}" type="datetimeFigureOut">
               <a:rPr lang="ko-KR" altLang="en-US" smtClean="0"/>
-              <a:t>2024-04-11</a:t>
+              <a:t>2024-04-14</a:t>
             </a:fld>
             <a:endParaRPr lang="ko-KR" altLang="en-US"/>
           </a:p>
@@ -874,7 +874,7 @@
           <a:p>
             <a:fld id="{7B480AFD-84A6-499E-8267-445751AA23E6}" type="datetimeFigureOut">
               <a:rPr lang="ko-KR" altLang="en-US" smtClean="0"/>
-              <a:t>2024-04-11</a:t>
+              <a:t>2024-04-14</a:t>
             </a:fld>
             <a:endParaRPr lang="ko-KR" altLang="en-US"/>
           </a:p>
@@ -1149,7 +1149,7 @@
           <a:p>
             <a:fld id="{7B480AFD-84A6-499E-8267-445751AA23E6}" type="datetimeFigureOut">
               <a:rPr lang="ko-KR" altLang="en-US" smtClean="0"/>
-              <a:t>2024-04-11</a:t>
+              <a:t>2024-04-14</a:t>
             </a:fld>
             <a:endParaRPr lang="ko-KR" altLang="en-US"/>
           </a:p>
@@ -1414,7 +1414,7 @@
           <a:p>
             <a:fld id="{7B480AFD-84A6-499E-8267-445751AA23E6}" type="datetimeFigureOut">
               <a:rPr lang="ko-KR" altLang="en-US" smtClean="0"/>
-              <a:t>2024-04-11</a:t>
+              <a:t>2024-04-14</a:t>
             </a:fld>
             <a:endParaRPr lang="ko-KR" altLang="en-US"/>
           </a:p>
@@ -1826,7 +1826,7 @@
           <a:p>
             <a:fld id="{7B480AFD-84A6-499E-8267-445751AA23E6}" type="datetimeFigureOut">
               <a:rPr lang="ko-KR" altLang="en-US" smtClean="0"/>
-              <a:t>2024-04-11</a:t>
+              <a:t>2024-04-14</a:t>
             </a:fld>
             <a:endParaRPr lang="ko-KR" altLang="en-US"/>
           </a:p>
@@ -1967,7 +1967,7 @@
           <a:p>
             <a:fld id="{7B480AFD-84A6-499E-8267-445751AA23E6}" type="datetimeFigureOut">
               <a:rPr lang="ko-KR" altLang="en-US" smtClean="0"/>
-              <a:t>2024-04-11</a:t>
+              <a:t>2024-04-14</a:t>
             </a:fld>
             <a:endParaRPr lang="ko-KR" altLang="en-US"/>
           </a:p>
@@ -2080,7 +2080,7 @@
           <a:p>
             <a:fld id="{7B480AFD-84A6-499E-8267-445751AA23E6}" type="datetimeFigureOut">
               <a:rPr lang="ko-KR" altLang="en-US" smtClean="0"/>
-              <a:t>2024-04-11</a:t>
+              <a:t>2024-04-14</a:t>
             </a:fld>
             <a:endParaRPr lang="ko-KR" altLang="en-US"/>
           </a:p>
@@ -2391,7 +2391,7 @@
           <a:p>
             <a:fld id="{7B480AFD-84A6-499E-8267-445751AA23E6}" type="datetimeFigureOut">
               <a:rPr lang="ko-KR" altLang="en-US" smtClean="0"/>
-              <a:t>2024-04-11</a:t>
+              <a:t>2024-04-14</a:t>
             </a:fld>
             <a:endParaRPr lang="ko-KR" altLang="en-US"/>
           </a:p>
@@ -2679,7 +2679,7 @@
           <a:p>
             <a:fld id="{7B480AFD-84A6-499E-8267-445751AA23E6}" type="datetimeFigureOut">
               <a:rPr lang="ko-KR" altLang="en-US" smtClean="0"/>
-              <a:t>2024-04-11</a:t>
+              <a:t>2024-04-14</a:t>
             </a:fld>
             <a:endParaRPr lang="ko-KR" altLang="en-US"/>
           </a:p>
@@ -2920,7 +2920,7 @@
           <a:p>
             <a:fld id="{7B480AFD-84A6-499E-8267-445751AA23E6}" type="datetimeFigureOut">
               <a:rPr lang="ko-KR" altLang="en-US" smtClean="0"/>
-              <a:t>2024-04-11</a:t>
+              <a:t>2024-04-14</a:t>
             </a:fld>
             <a:endParaRPr lang="ko-KR" altLang="en-US"/>
           </a:p>
@@ -3339,10 +3339,10 @@
       </p:grpSpPr>
       <p:grpSp>
         <p:nvGrpSpPr>
-          <p:cNvPr id="23" name="그룹 22">
-            <a:extLst>
-              <a:ext uri="{FF2B5EF4-FFF2-40B4-BE49-F238E27FC236}">
-                <a16:creationId xmlns:a16="http://schemas.microsoft.com/office/drawing/2014/main" id="{E5EA7910-DE27-678A-4FAE-4FEA1E96F744}"/>
+          <p:cNvPr id="94" name="그룹 93">
+            <a:extLst>
+              <a:ext uri="{FF2B5EF4-FFF2-40B4-BE49-F238E27FC236}">
+                <a16:creationId xmlns:a16="http://schemas.microsoft.com/office/drawing/2014/main" id="{51842ED7-BDC1-69DF-80A0-A32A41186E8D}"/>
               </a:ext>
             </a:extLst>
           </p:cNvPr>
@@ -3351,18 +3351,18 @@
         </p:nvGrpSpPr>
         <p:grpSpPr>
           <a:xfrm>
-            <a:off x="1690255" y="932872"/>
-            <a:ext cx="8654472" cy="4969164"/>
-            <a:chOff x="1690255" y="932872"/>
-            <a:chExt cx="8654472" cy="4969164"/>
+            <a:off x="1690255" y="1246908"/>
+            <a:ext cx="8654472" cy="5484091"/>
+            <a:chOff x="1690255" y="1246908"/>
+            <a:chExt cx="8654472" cy="5484091"/>
           </a:xfrm>
         </p:grpSpPr>
         <p:pic>
           <p:nvPicPr>
-            <p:cNvPr id="16" name="그림 15">
+            <p:cNvPr id="82" name="그림 81">
               <a:extLst>
                 <a:ext uri="{FF2B5EF4-FFF2-40B4-BE49-F238E27FC236}">
-                  <a16:creationId xmlns:a16="http://schemas.microsoft.com/office/drawing/2014/main" id="{86282011-E3F3-CF83-5FFA-60850BD521BF}"/>
+                  <a16:creationId xmlns:a16="http://schemas.microsoft.com/office/drawing/2014/main" id="{B8CC1E3B-DA8E-94F2-F0D1-74F3080A5AA5}"/>
                 </a:ext>
               </a:extLst>
             </p:cNvPr>
@@ -3373,13 +3373,13 @@
           </p:nvPicPr>
           <p:blipFill rotWithShape="1">
             <a:blip r:embed="rId2"/>
-            <a:srcRect l="13863" t="12202" r="15152" b="12552"/>
+            <a:srcRect l="13863" t="16958" r="15152"/>
             <a:stretch/>
           </p:blipFill>
           <p:spPr>
             <a:xfrm>
-              <a:off x="1690255" y="932872"/>
-              <a:ext cx="8654472" cy="4969164"/>
+              <a:off x="1690255" y="1246908"/>
+              <a:ext cx="8654472" cy="5484091"/>
             </a:xfrm>
             <a:prstGeom prst="rect">
               <a:avLst/>
@@ -3388,10 +3388,54 @@
         </p:pic>
         <p:sp>
           <p:nvSpPr>
-            <p:cNvPr id="17" name="사각형: 둥근 모서리 16">
+            <p:cNvPr id="79" name="TextBox 78">
               <a:extLst>
                 <a:ext uri="{FF2B5EF4-FFF2-40B4-BE49-F238E27FC236}">
-                  <a16:creationId xmlns:a16="http://schemas.microsoft.com/office/drawing/2014/main" id="{1B6CD2FE-5C1D-E592-7C91-1AB3AB6E4C07}"/>
+                  <a16:creationId xmlns:a16="http://schemas.microsoft.com/office/drawing/2014/main" id="{121584DA-0823-DBC0-B090-3551A7D5B7E6}"/>
+                </a:ext>
+              </a:extLst>
+            </p:cNvPr>
+            <p:cNvSpPr txBox="1"/>
+            <p:nvPr/>
+          </p:nvSpPr>
+          <p:spPr>
+            <a:xfrm>
+              <a:off x="6243783" y="4353922"/>
+              <a:ext cx="4100944" cy="646331"/>
+            </a:xfrm>
+            <a:prstGeom prst="rect">
+              <a:avLst/>
+            </a:prstGeom>
+            <a:noFill/>
+          </p:spPr>
+          <p:txBody>
+            <a:bodyPr wrap="square" rtlCol="0">
+              <a:spAutoFit/>
+            </a:bodyPr>
+            <a:lstStyle/>
+            <a:p>
+              <a:r>
+                <a:rPr lang="ko-KR" altLang="en-US">
+                  <a:solidFill>
+                    <a:srgbClr val="FF0000"/>
+                  </a:solidFill>
+                </a:rPr>
+                <a:t>자기 차례 뽑기 인원 수 만큼 선택 후 뽑기 클릭</a:t>
+              </a:r>
+              <a:endParaRPr lang="ko-KR" altLang="en-US" dirty="0">
+                <a:solidFill>
+                  <a:srgbClr val="FF0000"/>
+                </a:solidFill>
+              </a:endParaRPr>
+            </a:p>
+          </p:txBody>
+        </p:sp>
+        <p:sp>
+          <p:nvSpPr>
+            <p:cNvPr id="83" name="직사각형 82">
+              <a:extLst>
+                <a:ext uri="{FF2B5EF4-FFF2-40B4-BE49-F238E27FC236}">
+                  <a16:creationId xmlns:a16="http://schemas.microsoft.com/office/drawing/2014/main" id="{6C7779C6-7E50-8B32-725E-04C8D9DF046B}"/>
                 </a:ext>
               </a:extLst>
             </p:cNvPr>
@@ -3400,8 +3444,528 @@
           </p:nvSpPr>
           <p:spPr>
             <a:xfrm>
-              <a:off x="3879272" y="1302326"/>
-              <a:ext cx="3851563" cy="397165"/>
+              <a:off x="2650836" y="1865745"/>
+              <a:ext cx="757382" cy="277091"/>
+            </a:xfrm>
+            <a:prstGeom prst="rect">
+              <a:avLst/>
+            </a:prstGeom>
+            <a:solidFill>
+              <a:schemeClr val="tx1"/>
+            </a:solidFill>
+            <a:ln w="28575">
+              <a:noFill/>
+            </a:ln>
+          </p:spPr>
+          <p:style>
+            <a:lnRef idx="2">
+              <a:schemeClr val="accent1">
+                <a:shade val="15000"/>
+              </a:schemeClr>
+            </a:lnRef>
+            <a:fillRef idx="1">
+              <a:schemeClr val="accent1"/>
+            </a:fillRef>
+            <a:effectRef idx="0">
+              <a:schemeClr val="accent1"/>
+            </a:effectRef>
+            <a:fontRef idx="minor">
+              <a:schemeClr val="lt1"/>
+            </a:fontRef>
+          </p:style>
+          <p:txBody>
+            <a:bodyPr rtlCol="0" anchor="ctr"/>
+            <a:lstStyle/>
+            <a:p>
+              <a:pPr algn="ctr"/>
+              <a:endParaRPr lang="ko-KR" altLang="en-US"/>
+            </a:p>
+          </p:txBody>
+        </p:sp>
+        <p:sp>
+          <p:nvSpPr>
+            <p:cNvPr id="84" name="직사각형 83">
+              <a:extLst>
+                <a:ext uri="{FF2B5EF4-FFF2-40B4-BE49-F238E27FC236}">
+                  <a16:creationId xmlns:a16="http://schemas.microsoft.com/office/drawing/2014/main" id="{E259117E-6F10-C24C-E4AB-2698F0186356}"/>
+                </a:ext>
+              </a:extLst>
+            </p:cNvPr>
+            <p:cNvSpPr/>
+            <p:nvPr/>
+          </p:nvSpPr>
+          <p:spPr>
+            <a:xfrm>
+              <a:off x="4156363" y="1865745"/>
+              <a:ext cx="757382" cy="277091"/>
+            </a:xfrm>
+            <a:prstGeom prst="rect">
+              <a:avLst/>
+            </a:prstGeom>
+            <a:solidFill>
+              <a:schemeClr val="tx1"/>
+            </a:solidFill>
+            <a:ln w="28575">
+              <a:noFill/>
+            </a:ln>
+          </p:spPr>
+          <p:style>
+            <a:lnRef idx="2">
+              <a:schemeClr val="accent1">
+                <a:shade val="15000"/>
+              </a:schemeClr>
+            </a:lnRef>
+            <a:fillRef idx="1">
+              <a:schemeClr val="accent1"/>
+            </a:fillRef>
+            <a:effectRef idx="0">
+              <a:schemeClr val="accent1"/>
+            </a:effectRef>
+            <a:fontRef idx="minor">
+              <a:schemeClr val="lt1"/>
+            </a:fontRef>
+          </p:style>
+          <p:txBody>
+            <a:bodyPr rtlCol="0" anchor="ctr"/>
+            <a:lstStyle/>
+            <a:p>
+              <a:pPr algn="ctr"/>
+              <a:endParaRPr lang="ko-KR" altLang="en-US"/>
+            </a:p>
+          </p:txBody>
+        </p:sp>
+        <p:sp>
+          <p:nvSpPr>
+            <p:cNvPr id="85" name="직사각형 84">
+              <a:extLst>
+                <a:ext uri="{FF2B5EF4-FFF2-40B4-BE49-F238E27FC236}">
+                  <a16:creationId xmlns:a16="http://schemas.microsoft.com/office/drawing/2014/main" id="{5168B509-FD94-60A1-69FD-CEE8B23DFFE3}"/>
+                </a:ext>
+              </a:extLst>
+            </p:cNvPr>
+            <p:cNvSpPr/>
+            <p:nvPr/>
+          </p:nvSpPr>
+          <p:spPr>
+            <a:xfrm>
+              <a:off x="5638800" y="1865745"/>
+              <a:ext cx="757382" cy="277091"/>
+            </a:xfrm>
+            <a:prstGeom prst="rect">
+              <a:avLst/>
+            </a:prstGeom>
+            <a:solidFill>
+              <a:schemeClr val="tx1"/>
+            </a:solidFill>
+            <a:ln w="28575">
+              <a:noFill/>
+            </a:ln>
+          </p:spPr>
+          <p:style>
+            <a:lnRef idx="2">
+              <a:schemeClr val="accent1">
+                <a:shade val="15000"/>
+              </a:schemeClr>
+            </a:lnRef>
+            <a:fillRef idx="1">
+              <a:schemeClr val="accent1"/>
+            </a:fillRef>
+            <a:effectRef idx="0">
+              <a:schemeClr val="accent1"/>
+            </a:effectRef>
+            <a:fontRef idx="minor">
+              <a:schemeClr val="lt1"/>
+            </a:fontRef>
+          </p:style>
+          <p:txBody>
+            <a:bodyPr rtlCol="0" anchor="ctr"/>
+            <a:lstStyle/>
+            <a:p>
+              <a:pPr algn="ctr"/>
+              <a:endParaRPr lang="ko-KR" altLang="en-US"/>
+            </a:p>
+          </p:txBody>
+        </p:sp>
+        <p:sp>
+          <p:nvSpPr>
+            <p:cNvPr id="86" name="직사각형 85">
+              <a:extLst>
+                <a:ext uri="{FF2B5EF4-FFF2-40B4-BE49-F238E27FC236}">
+                  <a16:creationId xmlns:a16="http://schemas.microsoft.com/office/drawing/2014/main" id="{808743DC-BE38-658D-996C-1617217FD59A}"/>
+                </a:ext>
+              </a:extLst>
+            </p:cNvPr>
+            <p:cNvSpPr/>
+            <p:nvPr/>
+          </p:nvSpPr>
+          <p:spPr>
+            <a:xfrm>
+              <a:off x="7121237" y="1865745"/>
+              <a:ext cx="757382" cy="277091"/>
+            </a:xfrm>
+            <a:prstGeom prst="rect">
+              <a:avLst/>
+            </a:prstGeom>
+            <a:solidFill>
+              <a:schemeClr val="tx1"/>
+            </a:solidFill>
+            <a:ln w="28575">
+              <a:noFill/>
+            </a:ln>
+          </p:spPr>
+          <p:style>
+            <a:lnRef idx="2">
+              <a:schemeClr val="accent1">
+                <a:shade val="15000"/>
+              </a:schemeClr>
+            </a:lnRef>
+            <a:fillRef idx="1">
+              <a:schemeClr val="accent1"/>
+            </a:fillRef>
+            <a:effectRef idx="0">
+              <a:schemeClr val="accent1"/>
+            </a:effectRef>
+            <a:fontRef idx="minor">
+              <a:schemeClr val="lt1"/>
+            </a:fontRef>
+          </p:style>
+          <p:txBody>
+            <a:bodyPr rtlCol="0" anchor="ctr"/>
+            <a:lstStyle/>
+            <a:p>
+              <a:pPr algn="ctr"/>
+              <a:endParaRPr lang="ko-KR" altLang="en-US"/>
+            </a:p>
+          </p:txBody>
+        </p:sp>
+        <p:sp>
+          <p:nvSpPr>
+            <p:cNvPr id="87" name="직사각형 86">
+              <a:extLst>
+                <a:ext uri="{FF2B5EF4-FFF2-40B4-BE49-F238E27FC236}">
+                  <a16:creationId xmlns:a16="http://schemas.microsoft.com/office/drawing/2014/main" id="{73DCBFD7-9FA5-EE5D-A886-2D6D556BF2B1}"/>
+                </a:ext>
+              </a:extLst>
+            </p:cNvPr>
+            <p:cNvSpPr/>
+            <p:nvPr/>
+          </p:nvSpPr>
+          <p:spPr>
+            <a:xfrm>
+              <a:off x="8603674" y="1865745"/>
+              <a:ext cx="757382" cy="277091"/>
+            </a:xfrm>
+            <a:prstGeom prst="rect">
+              <a:avLst/>
+            </a:prstGeom>
+            <a:solidFill>
+              <a:schemeClr val="tx1"/>
+            </a:solidFill>
+            <a:ln w="28575">
+              <a:noFill/>
+            </a:ln>
+          </p:spPr>
+          <p:style>
+            <a:lnRef idx="2">
+              <a:schemeClr val="accent1">
+                <a:shade val="15000"/>
+              </a:schemeClr>
+            </a:lnRef>
+            <a:fillRef idx="1">
+              <a:schemeClr val="accent1"/>
+            </a:fillRef>
+            <a:effectRef idx="0">
+              <a:schemeClr val="accent1"/>
+            </a:effectRef>
+            <a:fontRef idx="minor">
+              <a:schemeClr val="lt1"/>
+            </a:fontRef>
+          </p:style>
+          <p:txBody>
+            <a:bodyPr rtlCol="0" anchor="ctr"/>
+            <a:lstStyle/>
+            <a:p>
+              <a:pPr algn="ctr"/>
+              <a:endParaRPr lang="ko-KR" altLang="en-US"/>
+            </a:p>
+          </p:txBody>
+        </p:sp>
+        <p:sp>
+          <p:nvSpPr>
+            <p:cNvPr id="88" name="직사각형 87">
+              <a:extLst>
+                <a:ext uri="{FF2B5EF4-FFF2-40B4-BE49-F238E27FC236}">
+                  <a16:creationId xmlns:a16="http://schemas.microsoft.com/office/drawing/2014/main" id="{FB43E7F4-A56E-1BC7-0026-2528CAFB072D}"/>
+                </a:ext>
+              </a:extLst>
+            </p:cNvPr>
+            <p:cNvSpPr/>
+            <p:nvPr/>
+          </p:nvSpPr>
+          <p:spPr>
+            <a:xfrm>
+              <a:off x="2650836" y="3133437"/>
+              <a:ext cx="757382" cy="277091"/>
+            </a:xfrm>
+            <a:prstGeom prst="rect">
+              <a:avLst/>
+            </a:prstGeom>
+            <a:solidFill>
+              <a:schemeClr val="tx1"/>
+            </a:solidFill>
+            <a:ln w="28575">
+              <a:noFill/>
+            </a:ln>
+          </p:spPr>
+          <p:style>
+            <a:lnRef idx="2">
+              <a:schemeClr val="accent1">
+                <a:shade val="15000"/>
+              </a:schemeClr>
+            </a:lnRef>
+            <a:fillRef idx="1">
+              <a:schemeClr val="accent1"/>
+            </a:fillRef>
+            <a:effectRef idx="0">
+              <a:schemeClr val="accent1"/>
+            </a:effectRef>
+            <a:fontRef idx="minor">
+              <a:schemeClr val="lt1"/>
+            </a:fontRef>
+          </p:style>
+          <p:txBody>
+            <a:bodyPr rtlCol="0" anchor="ctr"/>
+            <a:lstStyle/>
+            <a:p>
+              <a:pPr algn="ctr"/>
+              <a:endParaRPr lang="ko-KR" altLang="en-US"/>
+            </a:p>
+          </p:txBody>
+        </p:sp>
+        <p:sp>
+          <p:nvSpPr>
+            <p:cNvPr id="89" name="직사각형 88">
+              <a:extLst>
+                <a:ext uri="{FF2B5EF4-FFF2-40B4-BE49-F238E27FC236}">
+                  <a16:creationId xmlns:a16="http://schemas.microsoft.com/office/drawing/2014/main" id="{DBE167D5-2018-BB55-5D96-92E24BE61008}"/>
+                </a:ext>
+              </a:extLst>
+            </p:cNvPr>
+            <p:cNvSpPr/>
+            <p:nvPr/>
+          </p:nvSpPr>
+          <p:spPr>
+            <a:xfrm>
+              <a:off x="4165599" y="3133437"/>
+              <a:ext cx="757382" cy="277091"/>
+            </a:xfrm>
+            <a:prstGeom prst="rect">
+              <a:avLst/>
+            </a:prstGeom>
+            <a:solidFill>
+              <a:schemeClr val="tx1"/>
+            </a:solidFill>
+            <a:ln w="28575">
+              <a:noFill/>
+            </a:ln>
+          </p:spPr>
+          <p:style>
+            <a:lnRef idx="2">
+              <a:schemeClr val="accent1">
+                <a:shade val="15000"/>
+              </a:schemeClr>
+            </a:lnRef>
+            <a:fillRef idx="1">
+              <a:schemeClr val="accent1"/>
+            </a:fillRef>
+            <a:effectRef idx="0">
+              <a:schemeClr val="accent1"/>
+            </a:effectRef>
+            <a:fontRef idx="minor">
+              <a:schemeClr val="lt1"/>
+            </a:fontRef>
+          </p:style>
+          <p:txBody>
+            <a:bodyPr rtlCol="0" anchor="ctr"/>
+            <a:lstStyle/>
+            <a:p>
+              <a:pPr algn="ctr"/>
+              <a:endParaRPr lang="ko-KR" altLang="en-US"/>
+            </a:p>
+          </p:txBody>
+        </p:sp>
+        <p:sp>
+          <p:nvSpPr>
+            <p:cNvPr id="90" name="직사각형 89">
+              <a:extLst>
+                <a:ext uri="{FF2B5EF4-FFF2-40B4-BE49-F238E27FC236}">
+                  <a16:creationId xmlns:a16="http://schemas.microsoft.com/office/drawing/2014/main" id="{E7F3E718-310D-40DD-69B5-382BC8B47D43}"/>
+                </a:ext>
+              </a:extLst>
+            </p:cNvPr>
+            <p:cNvSpPr/>
+            <p:nvPr/>
+          </p:nvSpPr>
+          <p:spPr>
+            <a:xfrm>
+              <a:off x="5638800" y="3133437"/>
+              <a:ext cx="757382" cy="277091"/>
+            </a:xfrm>
+            <a:prstGeom prst="rect">
+              <a:avLst/>
+            </a:prstGeom>
+            <a:solidFill>
+              <a:schemeClr val="tx1"/>
+            </a:solidFill>
+            <a:ln w="28575">
+              <a:noFill/>
+            </a:ln>
+          </p:spPr>
+          <p:style>
+            <a:lnRef idx="2">
+              <a:schemeClr val="accent1">
+                <a:shade val="15000"/>
+              </a:schemeClr>
+            </a:lnRef>
+            <a:fillRef idx="1">
+              <a:schemeClr val="accent1"/>
+            </a:fillRef>
+            <a:effectRef idx="0">
+              <a:schemeClr val="accent1"/>
+            </a:effectRef>
+            <a:fontRef idx="minor">
+              <a:schemeClr val="lt1"/>
+            </a:fontRef>
+          </p:style>
+          <p:txBody>
+            <a:bodyPr rtlCol="0" anchor="ctr"/>
+            <a:lstStyle/>
+            <a:p>
+              <a:pPr algn="ctr"/>
+              <a:endParaRPr lang="ko-KR" altLang="en-US"/>
+            </a:p>
+          </p:txBody>
+        </p:sp>
+        <p:sp>
+          <p:nvSpPr>
+            <p:cNvPr id="91" name="직사각형 90">
+              <a:extLst>
+                <a:ext uri="{FF2B5EF4-FFF2-40B4-BE49-F238E27FC236}">
+                  <a16:creationId xmlns:a16="http://schemas.microsoft.com/office/drawing/2014/main" id="{D8DDFE96-76EF-6536-C771-43BB1D939C6C}"/>
+                </a:ext>
+              </a:extLst>
+            </p:cNvPr>
+            <p:cNvSpPr/>
+            <p:nvPr/>
+          </p:nvSpPr>
+          <p:spPr>
+            <a:xfrm>
+              <a:off x="2881745" y="5557985"/>
+              <a:ext cx="757382" cy="277091"/>
+            </a:xfrm>
+            <a:prstGeom prst="rect">
+              <a:avLst/>
+            </a:prstGeom>
+            <a:solidFill>
+              <a:schemeClr val="tx1"/>
+            </a:solidFill>
+            <a:ln w="28575">
+              <a:noFill/>
+            </a:ln>
+          </p:spPr>
+          <p:style>
+            <a:lnRef idx="2">
+              <a:schemeClr val="accent1">
+                <a:shade val="15000"/>
+              </a:schemeClr>
+            </a:lnRef>
+            <a:fillRef idx="1">
+              <a:schemeClr val="accent1"/>
+            </a:fillRef>
+            <a:effectRef idx="0">
+              <a:schemeClr val="accent1"/>
+            </a:effectRef>
+            <a:fontRef idx="minor">
+              <a:schemeClr val="lt1"/>
+            </a:fontRef>
+          </p:style>
+          <p:txBody>
+            <a:bodyPr rtlCol="0" anchor="ctr"/>
+            <a:lstStyle/>
+            <a:p>
+              <a:pPr algn="ctr"/>
+              <a:endParaRPr lang="ko-KR" altLang="en-US"/>
+            </a:p>
+          </p:txBody>
+        </p:sp>
+        <p:sp>
+          <p:nvSpPr>
+            <p:cNvPr id="92" name="직사각형 91">
+              <a:extLst>
+                <a:ext uri="{FF2B5EF4-FFF2-40B4-BE49-F238E27FC236}">
+                  <a16:creationId xmlns:a16="http://schemas.microsoft.com/office/drawing/2014/main" id="{2A9EE737-4E74-B849-5884-257CD8817306}"/>
+                </a:ext>
+              </a:extLst>
+            </p:cNvPr>
+            <p:cNvSpPr/>
+            <p:nvPr/>
+          </p:nvSpPr>
+          <p:spPr>
+            <a:xfrm>
+              <a:off x="6770255" y="5557985"/>
+              <a:ext cx="757382" cy="277091"/>
+            </a:xfrm>
+            <a:prstGeom prst="rect">
+              <a:avLst/>
+            </a:prstGeom>
+            <a:solidFill>
+              <a:schemeClr val="tx1"/>
+            </a:solidFill>
+            <a:ln w="28575">
+              <a:noFill/>
+            </a:ln>
+          </p:spPr>
+          <p:style>
+            <a:lnRef idx="2">
+              <a:schemeClr val="accent1">
+                <a:shade val="15000"/>
+              </a:schemeClr>
+            </a:lnRef>
+            <a:fillRef idx="1">
+              <a:schemeClr val="accent1"/>
+            </a:fillRef>
+            <a:effectRef idx="0">
+              <a:schemeClr val="accent1"/>
+            </a:effectRef>
+            <a:fontRef idx="minor">
+              <a:schemeClr val="lt1"/>
+            </a:fontRef>
+          </p:style>
+          <p:txBody>
+            <a:bodyPr rtlCol="0" anchor="ctr"/>
+            <a:lstStyle/>
+            <a:p>
+              <a:pPr algn="ctr"/>
+              <a:endParaRPr lang="ko-KR" altLang="en-US"/>
+            </a:p>
+          </p:txBody>
+        </p:sp>
+        <p:sp>
+          <p:nvSpPr>
+            <p:cNvPr id="93" name="사각형: 둥근 모서리 92">
+              <a:extLst>
+                <a:ext uri="{FF2B5EF4-FFF2-40B4-BE49-F238E27FC236}">
+                  <a16:creationId xmlns:a16="http://schemas.microsoft.com/office/drawing/2014/main" id="{44F56AD8-9F11-9AAA-00AB-6DE08B2CC1BA}"/>
+                </a:ext>
+              </a:extLst>
+            </p:cNvPr>
+            <p:cNvSpPr/>
+            <p:nvPr/>
+          </p:nvSpPr>
+          <p:spPr>
+            <a:xfrm>
+              <a:off x="2032000" y="1690255"/>
+              <a:ext cx="7666182" cy="2549118"/>
             </a:xfrm>
             <a:prstGeom prst="roundRect">
               <a:avLst/>
@@ -3438,142 +4002,6 @@
             </a:p>
           </p:txBody>
         </p:sp>
-        <p:sp>
-          <p:nvSpPr>
-            <p:cNvPr id="18" name="타원 17">
-              <a:extLst>
-                <a:ext uri="{FF2B5EF4-FFF2-40B4-BE49-F238E27FC236}">
-                  <a16:creationId xmlns:a16="http://schemas.microsoft.com/office/drawing/2014/main" id="{CA7D07C9-F22C-C646-E25B-6BAD8E694A2B}"/>
-                </a:ext>
-              </a:extLst>
-            </p:cNvPr>
-            <p:cNvSpPr/>
-            <p:nvPr/>
-          </p:nvSpPr>
-          <p:spPr>
-            <a:xfrm>
-              <a:off x="7730836" y="1320800"/>
-              <a:ext cx="406400" cy="406400"/>
-            </a:xfrm>
-            <a:prstGeom prst="ellipse">
-              <a:avLst/>
-            </a:prstGeom>
-            <a:noFill/>
-            <a:ln w="28575">
-              <a:solidFill>
-                <a:srgbClr val="FF0000"/>
-              </a:solidFill>
-            </a:ln>
-          </p:spPr>
-          <p:style>
-            <a:lnRef idx="2">
-              <a:schemeClr val="accent1">
-                <a:shade val="15000"/>
-              </a:schemeClr>
-            </a:lnRef>
-            <a:fillRef idx="1">
-              <a:schemeClr val="accent1"/>
-            </a:fillRef>
-            <a:effectRef idx="0">
-              <a:schemeClr val="accent1"/>
-            </a:effectRef>
-            <a:fontRef idx="minor">
-              <a:schemeClr val="lt1"/>
-            </a:fontRef>
-          </p:style>
-          <p:txBody>
-            <a:bodyPr rtlCol="0" anchor="ctr"/>
-            <a:lstStyle/>
-            <a:p>
-              <a:pPr algn="ctr"/>
-              <a:endParaRPr lang="ko-KR" altLang="en-US"/>
-            </a:p>
-          </p:txBody>
-        </p:sp>
-        <p:sp>
-          <p:nvSpPr>
-            <p:cNvPr id="19" name="TextBox 18">
-              <a:extLst>
-                <a:ext uri="{FF2B5EF4-FFF2-40B4-BE49-F238E27FC236}">
-                  <a16:creationId xmlns:a16="http://schemas.microsoft.com/office/drawing/2014/main" id="{07160EA1-A990-1793-090E-A3DD67F1844C}"/>
-                </a:ext>
-              </a:extLst>
-            </p:cNvPr>
-            <p:cNvSpPr txBox="1"/>
-            <p:nvPr/>
-          </p:nvSpPr>
-          <p:spPr>
-            <a:xfrm>
-              <a:off x="8460509" y="1302326"/>
-              <a:ext cx="1884218" cy="369332"/>
-            </a:xfrm>
-            <a:prstGeom prst="rect">
-              <a:avLst/>
-            </a:prstGeom>
-            <a:noFill/>
-          </p:spPr>
-          <p:txBody>
-            <a:bodyPr wrap="square" rtlCol="0">
-              <a:spAutoFit/>
-            </a:bodyPr>
-            <a:lstStyle/>
-            <a:p>
-              <a:r>
-                <a:rPr lang="ko-KR" altLang="en-US" dirty="0">
-                  <a:solidFill>
-                    <a:srgbClr val="FF0000"/>
-                  </a:solidFill>
-                </a:rPr>
-                <a:t>클릭하여 복사</a:t>
-              </a:r>
-            </a:p>
-          </p:txBody>
-        </p:sp>
-        <p:cxnSp>
-          <p:nvCxnSpPr>
-            <p:cNvPr id="21" name="직선 화살표 연결선 20">
-              <a:extLst>
-                <a:ext uri="{FF2B5EF4-FFF2-40B4-BE49-F238E27FC236}">
-                  <a16:creationId xmlns:a16="http://schemas.microsoft.com/office/drawing/2014/main" id="{1F6ABEDE-5477-7C34-BD4F-130B7F9B1367}"/>
-                </a:ext>
-              </a:extLst>
-            </p:cNvPr>
-            <p:cNvCxnSpPr>
-              <a:cxnSpLocks/>
-              <a:stCxn id="19" idx="1"/>
-            </p:cNvCxnSpPr>
-            <p:nvPr/>
-          </p:nvCxnSpPr>
-          <p:spPr>
-            <a:xfrm flipH="1">
-              <a:off x="8137236" y="1486992"/>
-              <a:ext cx="323273" cy="13916"/>
-            </a:xfrm>
-            <a:prstGeom prst="straightConnector1">
-              <a:avLst/>
-            </a:prstGeom>
-            <a:ln w="19050">
-              <a:solidFill>
-                <a:srgbClr val="FF0000"/>
-              </a:solidFill>
-              <a:tailEnd type="triangle"/>
-            </a:ln>
-          </p:spPr>
-          <p:style>
-            <a:lnRef idx="1">
-              <a:schemeClr val="accent1"/>
-            </a:lnRef>
-            <a:fillRef idx="0">
-              <a:schemeClr val="accent1"/>
-            </a:fillRef>
-            <a:effectRef idx="0">
-              <a:schemeClr val="accent1"/>
-            </a:effectRef>
-            <a:fontRef idx="minor">
-              <a:schemeClr val="tx1"/>
-            </a:fontRef>
-          </p:style>
-        </p:cxnSp>
       </p:grpSp>
     </p:spTree>
     <p:extLst>
